--- a/Presentacion final/Kedadas.pptx
+++ b/Presentacion final/Kedadas.pptx
@@ -115,7 +115,16 @@
       </a:defRPr>
     </a:lvl9pPr>
   </p:defaultTextStyle>
+  <p:extLst>
+    <p:ext uri="{EFAFB233-063F-42B5-8137-9DF3F51BA10A}">
+      <p15:sldGuideLst xmlns:p15="http://schemas.microsoft.com/office/powerpoint/2012/main"/>
+    </p:ext>
+  </p:extLst>
 </p:presentation>
+</file>
+
+<file path=ppt/revisionInfo.xml><?xml version="1.0" encoding="utf-8"?>
+<p1510:revInfo xmlns:a="http://schemas.openxmlformats.org/drawingml/2006/main" xmlns:r="http://schemas.openxmlformats.org/officeDocument/2006/relationships" xmlns:p1510="http://schemas.microsoft.com/office/powerpoint/2015/10/main"/>
 </file>
 
 <file path=ppt/slideLayouts/slideLayout1.xml><?xml version="1.0" encoding="utf-8"?>
@@ -213,7 +222,7 @@
           <a:effectLst/>
           <a:extLst>
             <a:ext uri="{91240B29-F687-4f45-9708-019B960494DF}">
-              <a14:hiddenLine xmlns:a14="http://schemas.microsoft.com/office/drawing/2010/main" xmlns="" w="9525">
+              <a14:hiddenLine xmlns="" xmlns:a14="http://schemas.microsoft.com/office/drawing/2010/main" w="9525">
                 <a:solidFill>
                   <a:srgbClr val="000000"/>
                 </a:solidFill>
@@ -406,7 +415,7 @@
             <a:fld id="{08B9EBBA-996F-894A-B54A-D6246ED52CEA}" type="datetimeFigureOut">
               <a:rPr lang="en-US" dirty="0"/>
               <a:pPr/>
-              <a:t>5/19/2017</a:t>
+              <a:t>5/23/2017</a:t>
             </a:fld>
             <a:endParaRPr lang="en-US" dirty="0"/>
           </a:p>
@@ -721,7 +730,7 @@
             <a:fld id="{18C79C5D-2A6F-F04D-97DA-BEF2467B64E4}" type="datetimeFigureOut">
               <a:rPr lang="en-US" dirty="0"/>
               <a:pPr/>
-              <a:t>5/19/2017</a:t>
+              <a:t>5/23/2017</a:t>
             </a:fld>
             <a:endParaRPr lang="en-US" dirty="0"/>
           </a:p>
@@ -1206,7 +1215,7 @@
             <a:fld id="{8DFA1846-DA80-1C48-A609-854EA85C59AD}" type="datetimeFigureOut">
               <a:rPr lang="en-US" dirty="0"/>
               <a:pPr/>
-              <a:t>5/19/2017</a:t>
+              <a:t>5/23/2017</a:t>
             </a:fld>
             <a:endParaRPr lang="en-US" dirty="0"/>
           </a:p>
@@ -1572,7 +1581,7 @@
             <a:fld id="{FBF54567-0DE4-3F47-BF90-CB84690072F9}" type="datetimeFigureOut">
               <a:rPr lang="en-US" dirty="0"/>
               <a:pPr/>
-              <a:t>5/19/2017</a:t>
+              <a:t>5/23/2017</a:t>
             </a:fld>
             <a:endParaRPr lang="en-US" dirty="0"/>
           </a:p>
@@ -1723,7 +1732,7 @@
           <a:ln/>
           <a:extLst>
             <a:ext uri="{91240B29-F687-4f45-9708-019B960494DF}">
-              <a14:hiddenLine xmlns:a14="http://schemas.microsoft.com/office/drawing/2010/main" xmlns="" w="9525">
+              <a14:hiddenLine xmlns="" xmlns:a14="http://schemas.microsoft.com/office/drawing/2010/main" w="9525">
                 <a:solidFill>
                   <a:srgbClr val="000000"/>
                 </a:solidFill>
@@ -1842,7 +1851,7 @@
             <a:fld id="{C6C52C72-DE31-F449-A4ED-4C594FD91407}" type="datetimeFigureOut">
               <a:rPr lang="en-US" dirty="0"/>
               <a:pPr/>
-              <a:t>5/19/2017</a:t>
+              <a:t>5/23/2017</a:t>
             </a:fld>
             <a:endParaRPr lang="en-US" dirty="0"/>
           </a:p>
@@ -1995,7 +2004,7 @@
           <a:ln/>
           <a:extLst>
             <a:ext uri="{91240B29-F687-4f45-9708-019B960494DF}">
-              <a14:hiddenLine xmlns:a14="http://schemas.microsoft.com/office/drawing/2010/main" xmlns="" w="9525">
+              <a14:hiddenLine xmlns="" xmlns:a14="http://schemas.microsoft.com/office/drawing/2010/main" w="9525">
                 <a:solidFill>
                   <a:srgbClr val="000000"/>
                 </a:solidFill>
@@ -2124,7 +2133,7 @@
             <a:fld id="{ED62726E-379B-B349-9EED-81ED093FA806}" type="datetimeFigureOut">
               <a:rPr lang="en-US" dirty="0"/>
               <a:pPr/>
-              <a:t>5/19/2017</a:t>
+              <a:t>5/23/2017</a:t>
             </a:fld>
             <a:endParaRPr lang="en-US" dirty="0"/>
           </a:p>
@@ -2275,7 +2284,7 @@
           <a:ln/>
           <a:extLst>
             <a:ext uri="{91240B29-F687-4f45-9708-019B960494DF}">
-              <a14:hiddenLine xmlns:a14="http://schemas.microsoft.com/office/drawing/2010/main" xmlns="" w="9525">
+              <a14:hiddenLine xmlns="" xmlns:a14="http://schemas.microsoft.com/office/drawing/2010/main" w="9525">
                 <a:solidFill>
                   <a:srgbClr val="000000"/>
                 </a:solidFill>
@@ -2404,7 +2413,7 @@
             <a:fld id="{9B3A1323-8D79-1946-B0D7-40001CF92E9D}" type="datetimeFigureOut">
               <a:rPr lang="en-US" dirty="0"/>
               <a:pPr/>
-              <a:t>5/19/2017</a:t>
+              <a:t>5/23/2017</a:t>
             </a:fld>
             <a:endParaRPr lang="en-US" dirty="0"/>
           </a:p>
@@ -2744,7 +2753,7 @@
             <a:fld id="{8DFA1846-DA80-1C48-A609-854EA85C59AD}" type="datetimeFigureOut">
               <a:rPr lang="en-US" dirty="0"/>
               <a:pPr/>
-              <a:t>5/19/2017</a:t>
+              <a:t>5/23/2017</a:t>
             </a:fld>
             <a:endParaRPr lang="en-US" dirty="0"/>
           </a:p>
@@ -2895,7 +2904,7 @@
           <a:ln/>
           <a:extLst>
             <a:ext uri="{91240B29-F687-4f45-9708-019B960494DF}">
-              <a14:hiddenLine xmlns:a14="http://schemas.microsoft.com/office/drawing/2010/main" xmlns="" w="9525">
+              <a14:hiddenLine xmlns="" xmlns:a14="http://schemas.microsoft.com/office/drawing/2010/main" w="9525">
                 <a:solidFill>
                   <a:srgbClr val="000000"/>
                 </a:solidFill>
@@ -3080,7 +3089,7 @@
             <a:fld id="{57302355-E14B-8545-A8F8-0FE83CC9D524}" type="datetimeFigureOut">
               <a:rPr lang="en-US" dirty="0"/>
               <a:pPr/>
-              <a:t>5/19/2017</a:t>
+              <a:t>5/23/2017</a:t>
             </a:fld>
             <a:endParaRPr lang="en-US" dirty="0"/>
           </a:p>
@@ -3231,7 +3240,7 @@
           <a:ln/>
           <a:extLst>
             <a:ext uri="{91240B29-F687-4f45-9708-019B960494DF}">
-              <a14:hiddenLine xmlns:a14="http://schemas.microsoft.com/office/drawing/2010/main" xmlns="" w="9525">
+              <a14:hiddenLine xmlns="" xmlns:a14="http://schemas.microsoft.com/office/drawing/2010/main" w="9525">
                 <a:solidFill>
                   <a:srgbClr val="000000"/>
                 </a:solidFill>
@@ -3554,7 +3563,7 @@
             <a:fld id="{02640F58-564D-2B4F-AE67-E407BA4FCF45}" type="datetimeFigureOut">
               <a:rPr lang="en-US" dirty="0"/>
               <a:pPr/>
-              <a:t>5/19/2017</a:t>
+              <a:t>5/23/2017</a:t>
             </a:fld>
             <a:endParaRPr lang="en-US" dirty="0"/>
           </a:p>
@@ -3705,7 +3714,7 @@
           <a:ln/>
           <a:extLst>
             <a:ext uri="{91240B29-F687-4f45-9708-019B960494DF}">
-              <a14:hiddenLine xmlns:a14="http://schemas.microsoft.com/office/drawing/2010/main" xmlns="" w="9525">
+              <a14:hiddenLine xmlns="" xmlns:a14="http://schemas.microsoft.com/office/drawing/2010/main" w="9525">
                 <a:solidFill>
                   <a:srgbClr val="000000"/>
                 </a:solidFill>
@@ -3772,7 +3781,7 @@
             <a:fld id="{F13A34C8-038E-2045-AF43-DF7DBB8E0E9E}" type="datetimeFigureOut">
               <a:rPr lang="en-US" dirty="0"/>
               <a:pPr/>
-              <a:t>5/19/2017</a:t>
+              <a:t>5/23/2017</a:t>
             </a:fld>
             <a:endParaRPr lang="en-US" dirty="0"/>
           </a:p>
@@ -3864,7 +3873,7 @@
             <a:fld id="{8818C68F-D26B-8F47-958C-23B49CF8A634}" type="datetimeFigureOut">
               <a:rPr lang="en-US" dirty="0"/>
               <a:pPr/>
-              <a:t>5/19/2017</a:t>
+              <a:t>5/23/2017</a:t>
             </a:fld>
             <a:endParaRPr lang="en-US" dirty="0"/>
           </a:p>
@@ -4128,7 +4137,7 @@
           <a:ln/>
           <a:extLst>
             <a:ext uri="{91240B29-F687-4f45-9708-019B960494DF}">
-              <a14:hiddenLine xmlns:a14="http://schemas.microsoft.com/office/drawing/2010/main" xmlns="" w="9525">
+              <a14:hiddenLine xmlns="" xmlns:a14="http://schemas.microsoft.com/office/drawing/2010/main" w="9525">
                 <a:solidFill>
                   <a:srgbClr val="000000"/>
                 </a:solidFill>
@@ -4328,7 +4337,7 @@
             <a:fld id="{D0DF5E60-9974-AC48-9591-99C2BB44B7CF}" type="datetimeFigureOut">
               <a:rPr lang="en-US" dirty="0"/>
               <a:pPr/>
-              <a:t>5/19/2017</a:t>
+              <a:t>5/23/2017</a:t>
             </a:fld>
             <a:endParaRPr lang="en-US" dirty="0"/>
           </a:p>
@@ -4638,7 +4647,7 @@
             <a:fld id="{18C79C5D-2A6F-F04D-97DA-BEF2467B64E4}" type="datetimeFigureOut">
               <a:rPr lang="en-US" dirty="0"/>
               <a:pPr/>
-              <a:t>5/19/2017</a:t>
+              <a:t>5/23/2017</a:t>
             </a:fld>
             <a:endParaRPr lang="en-US" dirty="0"/>
           </a:p>
@@ -4905,7 +4914,7 @@
             <a:fld id="{09B482E8-6E0E-1B4F-B1FD-C69DB9E858D9}" type="datetimeFigureOut">
               <a:rPr lang="en-US" dirty="0"/>
               <a:pPr/>
-              <a:t>5/19/2017</a:t>
+              <a:t>5/23/2017</a:t>
             </a:fld>
             <a:endParaRPr lang="en-US" dirty="0"/>
           </a:p>
@@ -5413,6 +5422,30 @@
           </a:p>
         </p:txBody>
       </p:sp>
+      <p:pic>
+        <p:nvPicPr>
+          <p:cNvPr id="5" name="Imagen 4"/>
+          <p:cNvPicPr>
+            <a:picLocks noChangeAspect="1"/>
+          </p:cNvPicPr>
+          <p:nvPr/>
+        </p:nvPicPr>
+        <p:blipFill>
+          <a:blip r:embed="rId2"/>
+          <a:stretch>
+            <a:fillRect/>
+          </a:stretch>
+        </p:blipFill>
+        <p:spPr>
+          <a:xfrm>
+            <a:off x="7927843" y="1449147"/>
+            <a:ext cx="3454157" cy="3454157"/>
+          </a:xfrm>
+          <a:prstGeom prst="rect">
+            <a:avLst/>
+          </a:prstGeom>
+        </p:spPr>
+      </p:pic>
     </p:spTree>
     <p:extLst>
       <p:ext uri="{BB962C8B-B14F-4D97-AF65-F5344CB8AC3E}">
@@ -6489,8 +6522,8 @@
         </p:blipFill>
         <p:spPr>
           <a:xfrm>
-            <a:off x="1511555" y="1626152"/>
-            <a:ext cx="9168887" cy="4926073"/>
+            <a:off x="2711265" y="2222500"/>
+            <a:ext cx="6769470" cy="3636963"/>
           </a:xfrm>
         </p:spPr>
       </p:pic>
@@ -6510,7 +6543,7 @@
 <file path=ppt/theme/theme1.xml><?xml version="1.0" encoding="utf-8"?>
 <a:theme xmlns:a="http://schemas.openxmlformats.org/drawingml/2006/main" name="Citable">
   <a:themeElements>
-    <a:clrScheme name="Quotable">
+    <a:clrScheme name="Amarillo">
       <a:dk1>
         <a:sysClr val="windowText" lastClr="000000"/>
       </a:dk1>
@@ -6518,34 +6551,34 @@
         <a:sysClr val="window" lastClr="FFFFFF"/>
       </a:lt1>
       <a:dk2>
-        <a:srgbClr val="212121"/>
+        <a:srgbClr val="39302A"/>
       </a:dk2>
       <a:lt2>
-        <a:srgbClr val="636363"/>
+        <a:srgbClr val="E5DEDB"/>
       </a:lt2>
       <a:accent1>
-        <a:srgbClr val="00C6BB"/>
+        <a:srgbClr val="FFCA08"/>
       </a:accent1>
       <a:accent2>
-        <a:srgbClr val="6FEBA0"/>
+        <a:srgbClr val="F8931D"/>
       </a:accent2>
       <a:accent3>
-        <a:srgbClr val="B6DF5E"/>
+        <a:srgbClr val="CE8D3E"/>
       </a:accent3>
       <a:accent4>
-        <a:srgbClr val="EFB251"/>
+        <a:srgbClr val="EC7016"/>
       </a:accent4>
       <a:accent5>
-        <a:srgbClr val="EF755F"/>
+        <a:srgbClr val="E64823"/>
       </a:accent5>
       <a:accent6>
-        <a:srgbClr val="ED515C"/>
+        <a:srgbClr val="9C6A6A"/>
       </a:accent6>
       <a:hlink>
-        <a:srgbClr val="8F8F8F"/>
+        <a:srgbClr val="2998E3"/>
       </a:hlink>
       <a:folHlink>
-        <a:srgbClr val="A5A5A5"/>
+        <a:srgbClr val="7F723D"/>
       </a:folHlink>
     </a:clrScheme>
     <a:fontScheme name="Quotable">

--- a/Presentacion final/Kedadas.pptx
+++ b/Presentacion final/Kedadas.pptx
@@ -222,7 +222,7 @@
           <a:effectLst/>
           <a:extLst>
             <a:ext uri="{91240B29-F687-4f45-9708-019B960494DF}">
-              <a14:hiddenLine xmlns="" xmlns:a14="http://schemas.microsoft.com/office/drawing/2010/main" w="9525">
+              <a14:hiddenLine xmlns:a14="http://schemas.microsoft.com/office/drawing/2010/main" xmlns="" w="9525">
                 <a:solidFill>
                   <a:srgbClr val="000000"/>
                 </a:solidFill>
@@ -415,7 +415,7 @@
             <a:fld id="{08B9EBBA-996F-894A-B54A-D6246ED52CEA}" type="datetimeFigureOut">
               <a:rPr lang="en-US" dirty="0"/>
               <a:pPr/>
-              <a:t>5/23/2017</a:t>
+              <a:t>5/24/2017</a:t>
             </a:fld>
             <a:endParaRPr lang="en-US" dirty="0"/>
           </a:p>
@@ -730,7 +730,7 @@
             <a:fld id="{18C79C5D-2A6F-F04D-97DA-BEF2467B64E4}" type="datetimeFigureOut">
               <a:rPr lang="en-US" dirty="0"/>
               <a:pPr/>
-              <a:t>5/23/2017</a:t>
+              <a:t>5/24/2017</a:t>
             </a:fld>
             <a:endParaRPr lang="en-US" dirty="0"/>
           </a:p>
@@ -1215,7 +1215,7 @@
             <a:fld id="{8DFA1846-DA80-1C48-A609-854EA85C59AD}" type="datetimeFigureOut">
               <a:rPr lang="en-US" dirty="0"/>
               <a:pPr/>
-              <a:t>5/23/2017</a:t>
+              <a:t>5/24/2017</a:t>
             </a:fld>
             <a:endParaRPr lang="en-US" dirty="0"/>
           </a:p>
@@ -1581,7 +1581,7 @@
             <a:fld id="{FBF54567-0DE4-3F47-BF90-CB84690072F9}" type="datetimeFigureOut">
               <a:rPr lang="en-US" dirty="0"/>
               <a:pPr/>
-              <a:t>5/23/2017</a:t>
+              <a:t>5/24/2017</a:t>
             </a:fld>
             <a:endParaRPr lang="en-US" dirty="0"/>
           </a:p>
@@ -1732,7 +1732,7 @@
           <a:ln/>
           <a:extLst>
             <a:ext uri="{91240B29-F687-4f45-9708-019B960494DF}">
-              <a14:hiddenLine xmlns="" xmlns:a14="http://schemas.microsoft.com/office/drawing/2010/main" w="9525">
+              <a14:hiddenLine xmlns:a14="http://schemas.microsoft.com/office/drawing/2010/main" xmlns="" w="9525">
                 <a:solidFill>
                   <a:srgbClr val="000000"/>
                 </a:solidFill>
@@ -1851,7 +1851,7 @@
             <a:fld id="{C6C52C72-DE31-F449-A4ED-4C594FD91407}" type="datetimeFigureOut">
               <a:rPr lang="en-US" dirty="0"/>
               <a:pPr/>
-              <a:t>5/23/2017</a:t>
+              <a:t>5/24/2017</a:t>
             </a:fld>
             <a:endParaRPr lang="en-US" dirty="0"/>
           </a:p>
@@ -2004,7 +2004,7 @@
           <a:ln/>
           <a:extLst>
             <a:ext uri="{91240B29-F687-4f45-9708-019B960494DF}">
-              <a14:hiddenLine xmlns="" xmlns:a14="http://schemas.microsoft.com/office/drawing/2010/main" w="9525">
+              <a14:hiddenLine xmlns:a14="http://schemas.microsoft.com/office/drawing/2010/main" xmlns="" w="9525">
                 <a:solidFill>
                   <a:srgbClr val="000000"/>
                 </a:solidFill>
@@ -2133,7 +2133,7 @@
             <a:fld id="{ED62726E-379B-B349-9EED-81ED093FA806}" type="datetimeFigureOut">
               <a:rPr lang="en-US" dirty="0"/>
               <a:pPr/>
-              <a:t>5/23/2017</a:t>
+              <a:t>5/24/2017</a:t>
             </a:fld>
             <a:endParaRPr lang="en-US" dirty="0"/>
           </a:p>
@@ -2284,7 +2284,7 @@
           <a:ln/>
           <a:extLst>
             <a:ext uri="{91240B29-F687-4f45-9708-019B960494DF}">
-              <a14:hiddenLine xmlns="" xmlns:a14="http://schemas.microsoft.com/office/drawing/2010/main" w="9525">
+              <a14:hiddenLine xmlns:a14="http://schemas.microsoft.com/office/drawing/2010/main" xmlns="" w="9525">
                 <a:solidFill>
                   <a:srgbClr val="000000"/>
                 </a:solidFill>
@@ -2413,7 +2413,7 @@
             <a:fld id="{9B3A1323-8D79-1946-B0D7-40001CF92E9D}" type="datetimeFigureOut">
               <a:rPr lang="en-US" dirty="0"/>
               <a:pPr/>
-              <a:t>5/23/2017</a:t>
+              <a:t>5/24/2017</a:t>
             </a:fld>
             <a:endParaRPr lang="en-US" dirty="0"/>
           </a:p>
@@ -2753,7 +2753,7 @@
             <a:fld id="{8DFA1846-DA80-1C48-A609-854EA85C59AD}" type="datetimeFigureOut">
               <a:rPr lang="en-US" dirty="0"/>
               <a:pPr/>
-              <a:t>5/23/2017</a:t>
+              <a:t>5/24/2017</a:t>
             </a:fld>
             <a:endParaRPr lang="en-US" dirty="0"/>
           </a:p>
@@ -2904,7 +2904,7 @@
           <a:ln/>
           <a:extLst>
             <a:ext uri="{91240B29-F687-4f45-9708-019B960494DF}">
-              <a14:hiddenLine xmlns="" xmlns:a14="http://schemas.microsoft.com/office/drawing/2010/main" w="9525">
+              <a14:hiddenLine xmlns:a14="http://schemas.microsoft.com/office/drawing/2010/main" xmlns="" w="9525">
                 <a:solidFill>
                   <a:srgbClr val="000000"/>
                 </a:solidFill>
@@ -3089,7 +3089,7 @@
             <a:fld id="{57302355-E14B-8545-A8F8-0FE83CC9D524}" type="datetimeFigureOut">
               <a:rPr lang="en-US" dirty="0"/>
               <a:pPr/>
-              <a:t>5/23/2017</a:t>
+              <a:t>5/24/2017</a:t>
             </a:fld>
             <a:endParaRPr lang="en-US" dirty="0"/>
           </a:p>
@@ -3240,7 +3240,7 @@
           <a:ln/>
           <a:extLst>
             <a:ext uri="{91240B29-F687-4f45-9708-019B960494DF}">
-              <a14:hiddenLine xmlns="" xmlns:a14="http://schemas.microsoft.com/office/drawing/2010/main" w="9525">
+              <a14:hiddenLine xmlns:a14="http://schemas.microsoft.com/office/drawing/2010/main" xmlns="" w="9525">
                 <a:solidFill>
                   <a:srgbClr val="000000"/>
                 </a:solidFill>
@@ -3563,7 +3563,7 @@
             <a:fld id="{02640F58-564D-2B4F-AE67-E407BA4FCF45}" type="datetimeFigureOut">
               <a:rPr lang="en-US" dirty="0"/>
               <a:pPr/>
-              <a:t>5/23/2017</a:t>
+              <a:t>5/24/2017</a:t>
             </a:fld>
             <a:endParaRPr lang="en-US" dirty="0"/>
           </a:p>
@@ -3714,7 +3714,7 @@
           <a:ln/>
           <a:extLst>
             <a:ext uri="{91240B29-F687-4f45-9708-019B960494DF}">
-              <a14:hiddenLine xmlns="" xmlns:a14="http://schemas.microsoft.com/office/drawing/2010/main" w="9525">
+              <a14:hiddenLine xmlns:a14="http://schemas.microsoft.com/office/drawing/2010/main" xmlns="" w="9525">
                 <a:solidFill>
                   <a:srgbClr val="000000"/>
                 </a:solidFill>
@@ -3781,7 +3781,7 @@
             <a:fld id="{F13A34C8-038E-2045-AF43-DF7DBB8E0E9E}" type="datetimeFigureOut">
               <a:rPr lang="en-US" dirty="0"/>
               <a:pPr/>
-              <a:t>5/23/2017</a:t>
+              <a:t>5/24/2017</a:t>
             </a:fld>
             <a:endParaRPr lang="en-US" dirty="0"/>
           </a:p>
@@ -3873,7 +3873,7 @@
             <a:fld id="{8818C68F-D26B-8F47-958C-23B49CF8A634}" type="datetimeFigureOut">
               <a:rPr lang="en-US" dirty="0"/>
               <a:pPr/>
-              <a:t>5/23/2017</a:t>
+              <a:t>5/24/2017</a:t>
             </a:fld>
             <a:endParaRPr lang="en-US" dirty="0"/>
           </a:p>
@@ -4137,7 +4137,7 @@
           <a:ln/>
           <a:extLst>
             <a:ext uri="{91240B29-F687-4f45-9708-019B960494DF}">
-              <a14:hiddenLine xmlns="" xmlns:a14="http://schemas.microsoft.com/office/drawing/2010/main" w="9525">
+              <a14:hiddenLine xmlns:a14="http://schemas.microsoft.com/office/drawing/2010/main" xmlns="" w="9525">
                 <a:solidFill>
                   <a:srgbClr val="000000"/>
                 </a:solidFill>
@@ -4337,7 +4337,7 @@
             <a:fld id="{D0DF5E60-9974-AC48-9591-99C2BB44B7CF}" type="datetimeFigureOut">
               <a:rPr lang="en-US" dirty="0"/>
               <a:pPr/>
-              <a:t>5/23/2017</a:t>
+              <a:t>5/24/2017</a:t>
             </a:fld>
             <a:endParaRPr lang="en-US" dirty="0"/>
           </a:p>
@@ -4647,7 +4647,7 @@
             <a:fld id="{18C79C5D-2A6F-F04D-97DA-BEF2467B64E4}" type="datetimeFigureOut">
               <a:rPr lang="en-US" dirty="0"/>
               <a:pPr/>
-              <a:t>5/23/2017</a:t>
+              <a:t>5/24/2017</a:t>
             </a:fld>
             <a:endParaRPr lang="en-US" dirty="0"/>
           </a:p>
@@ -4914,7 +4914,7 @@
             <a:fld id="{09B482E8-6E0E-1B4F-B1FD-C69DB9E858D9}" type="datetimeFigureOut">
               <a:rPr lang="en-US" dirty="0"/>
               <a:pPr/>
-              <a:t>5/23/2017</a:t>
+              <a:t>5/24/2017</a:t>
             </a:fld>
             <a:endParaRPr lang="en-US" dirty="0"/>
           </a:p>
@@ -5596,6 +5596,142 @@
           <a:bodyPr/>
           <a:lstStyle/>
           <a:p>
+            <a:endParaRPr lang="es-ES" dirty="0"/>
+          </a:p>
+          <a:p>
+            <a:r>
+              <a:rPr lang="en-GB" dirty="0"/>
+              <a:t>Ha </a:t>
+            </a:r>
+            <a:r>
+              <a:rPr lang="en-GB" dirty="0" err="1"/>
+              <a:t>fallado</a:t>
+            </a:r>
+            <a:r>
+              <a:rPr lang="en-GB" dirty="0"/>
+              <a:t> el </a:t>
+            </a:r>
+            <a:r>
+              <a:rPr lang="en-GB" dirty="0" err="1"/>
+              <a:t>trabajo</a:t>
+            </a:r>
+            <a:r>
+              <a:rPr lang="en-GB" dirty="0"/>
+              <a:t> </a:t>
+            </a:r>
+            <a:r>
+              <a:rPr lang="en-GB" dirty="0" err="1"/>
+              <a:t>en</a:t>
+            </a:r>
+            <a:r>
+              <a:rPr lang="en-GB" dirty="0"/>
+              <a:t> </a:t>
+            </a:r>
+            <a:r>
+              <a:rPr lang="en-GB" dirty="0" err="1"/>
+              <a:t>equipo</a:t>
+            </a:r>
+            <a:endParaRPr lang="en-GB" dirty="0"/>
+          </a:p>
+          <a:p>
+            <a:r>
+              <a:rPr lang="en-GB" dirty="0"/>
+              <a:t>La </a:t>
+            </a:r>
+            <a:r>
+              <a:rPr lang="en-GB" dirty="0" err="1"/>
+              <a:t>programación</a:t>
+            </a:r>
+            <a:r>
+              <a:rPr lang="en-GB" dirty="0"/>
+              <a:t> </a:t>
+            </a:r>
+            <a:r>
+              <a:rPr lang="en-GB" dirty="0" err="1"/>
+              <a:t>en</a:t>
+            </a:r>
+            <a:r>
+              <a:rPr lang="en-GB" dirty="0"/>
+              <a:t> Android </a:t>
+            </a:r>
+            <a:r>
+              <a:rPr lang="es-ES" dirty="0"/>
+              <a:t>tiene</a:t>
+            </a:r>
+            <a:r>
+              <a:rPr lang="en-GB" dirty="0"/>
+              <a:t> </a:t>
+            </a:r>
+            <a:r>
+              <a:rPr lang="es-ES" dirty="0"/>
+              <a:t>una</a:t>
+            </a:r>
+            <a:r>
+              <a:rPr lang="en-GB" dirty="0"/>
+              <a:t> </a:t>
+            </a:r>
+            <a:r>
+              <a:rPr lang="en-GB" dirty="0" err="1"/>
+              <a:t>curva</a:t>
+            </a:r>
+            <a:r>
+              <a:rPr lang="en-GB" dirty="0"/>
+              <a:t> de </a:t>
+            </a:r>
+            <a:r>
+              <a:rPr lang="es-ES" dirty="0"/>
+              <a:t>aprendizaje</a:t>
+            </a:r>
+            <a:r>
+              <a:rPr lang="en-GB" dirty="0"/>
+              <a:t> </a:t>
+            </a:r>
+            <a:r>
+              <a:rPr lang="en-GB" dirty="0" err="1"/>
+              <a:t>difícil</a:t>
+            </a:r>
+            <a:endParaRPr lang="en-GB" dirty="0"/>
+          </a:p>
+          <a:p>
+            <a:r>
+              <a:rPr lang="en-GB" dirty="0" err="1"/>
+              <a:t>Hemos</a:t>
+            </a:r>
+            <a:r>
+              <a:rPr lang="en-GB" dirty="0"/>
+              <a:t> </a:t>
+            </a:r>
+            <a:r>
+              <a:rPr lang="en-GB" dirty="0" err="1"/>
+              <a:t>logado</a:t>
+            </a:r>
+            <a:r>
+              <a:rPr lang="en-GB" dirty="0"/>
+              <a:t> un MVP </a:t>
+            </a:r>
+            <a:r>
+              <a:rPr lang="en-GB" dirty="0" err="1"/>
+              <a:t>en</a:t>
+            </a:r>
+            <a:r>
+              <a:rPr lang="en-GB" dirty="0"/>
+              <a:t> </a:t>
+            </a:r>
+            <a:r>
+              <a:rPr lang="en-GB" dirty="0" err="1"/>
+              <a:t>tiempo</a:t>
+            </a:r>
+            <a:r>
+              <a:rPr lang="en-GB" dirty="0"/>
+              <a:t> </a:t>
+            </a:r>
+            <a:r>
+              <a:rPr lang="en-GB" dirty="0" err="1"/>
+              <a:t>récord</a:t>
+            </a:r>
+            <a:endParaRPr lang="es-ES" dirty="0"/>
+          </a:p>
+          <a:p>
             <a:r>
               <a:rPr lang="es-ES" dirty="0"/>
               <a:t>Google </a:t>
@@ -5688,6 +5824,33 @@
               <a:rPr lang="es-ES" dirty="0"/>
               <a:t>Hacer una lavado de cara a la aplicación y rediseñar toda la interfaz para que sea más agradable ala vista</a:t>
             </a:r>
+          </a:p>
+          <a:p>
+            <a:r>
+              <a:rPr lang="en-GB" dirty="0" err="1"/>
+              <a:t>Refactorizar</a:t>
+            </a:r>
+            <a:r>
+              <a:rPr lang="en-GB" dirty="0"/>
+              <a:t> el </a:t>
+            </a:r>
+            <a:r>
+              <a:rPr lang="en-GB" dirty="0" err="1"/>
+              <a:t>código</a:t>
+            </a:r>
+            <a:r>
+              <a:rPr lang="en-GB" dirty="0"/>
+              <a:t>, </a:t>
+            </a:r>
+            <a:r>
+              <a:rPr lang="en-GB" err="1"/>
+              <a:t>limpiar</a:t>
+            </a:r>
+            <a:r>
+              <a:rPr lang="en-GB"/>
+              <a:t> c</a:t>
+            </a:r>
+            <a:endParaRPr lang="es-ES" dirty="0"/>
           </a:p>
         </p:txBody>
       </p:sp>
@@ -6187,6 +6350,36 @@
           </a:p>
           <a:p>
             <a:r>
+              <a:rPr lang="en-GB" dirty="0"/>
+              <a:t>C</a:t>
+            </a:r>
+            <a:r>
+              <a:rPr lang="es-ES" dirty="0" err="1"/>
+              <a:t>hat</a:t>
+            </a:r>
+            <a:endParaRPr lang="es-ES" dirty="0"/>
+          </a:p>
+          <a:p>
+            <a:r>
+              <a:rPr lang="en-GB" dirty="0"/>
+              <a:t>S</a:t>
+            </a:r>
+            <a:r>
+              <a:rPr lang="es-ES" dirty="0" err="1"/>
+              <a:t>eguimiento</a:t>
+            </a:r>
+            <a:r>
+              <a:rPr lang="es-ES" dirty="0"/>
+              <a:t> de los usuarios en la </a:t>
+            </a:r>
+            <a:r>
+              <a:rPr lang="es-ES" dirty="0" err="1"/>
+              <a:t>kedada</a:t>
+            </a:r>
+            <a:endParaRPr lang="es-ES" dirty="0"/>
+          </a:p>
+          <a:p>
+            <a:r>
               <a:rPr lang="es-ES" dirty="0"/>
               <a:t>Puesta en contacto con el personal de la aplicación</a:t>
             </a:r>
@@ -6298,6 +6491,21 @@
               <a:t>Mostrar un botón de emergencia, para llamar a emergencias en caso de que fuera necesario</a:t>
             </a:r>
           </a:p>
+          <a:p>
+            <a:pPr lvl="1"/>
+            <a:r>
+              <a:rPr lang="en-GB" dirty="0"/>
+              <a:t>V</a:t>
+            </a:r>
+            <a:r>
+              <a:rPr lang="es-ES" dirty="0" err="1"/>
+              <a:t>isualuzar</a:t>
+            </a:r>
+            <a:r>
+              <a:rPr lang="es-ES" dirty="0"/>
+              <a:t> las quedadas ya finalizadas</a:t>
+            </a:r>
+          </a:p>
         </p:txBody>
       </p:sp>
     </p:spTree>
@@ -6427,31 +6635,32 @@
           </a:p>
         </p:txBody>
       </p:sp>
-      <p:sp>
-        <p:nvSpPr>
-          <p:cNvPr id="3" name="Marcador de contenido 2"/>
-          <p:cNvSpPr>
-            <a:spLocks noGrp="1"/>
-          </p:cNvSpPr>
-          <p:nvPr>
-            <p:ph idx="1"/>
-          </p:nvPr>
-        </p:nvSpPr>
-        <p:spPr/>
-        <p:txBody>
-          <a:bodyPr/>
-          <a:lstStyle/>
-          <a:p>
-            <a:r>
-              <a:rPr lang="es-ES" dirty="0" err="1">
-                <a:hlinkClick r:id="rId2"/>
-              </a:rPr>
-              <a:t>kedadas</a:t>
-            </a:r>
-            <a:endParaRPr lang="es-ES" dirty="0"/>
-          </a:p>
-        </p:txBody>
-      </p:sp>
+      <p:pic>
+        <p:nvPicPr>
+          <p:cNvPr id="4" name="Imagen 3">
+            <a:hlinkClick r:id="rId2"/>
+          </p:cNvPr>
+          <p:cNvPicPr>
+            <a:picLocks noChangeAspect="1"/>
+          </p:cNvPicPr>
+          <p:nvPr/>
+        </p:nvPicPr>
+        <p:blipFill>
+          <a:blip r:embed="rId3"/>
+          <a:stretch>
+            <a:fillRect/>
+          </a:stretch>
+        </p:blipFill>
+        <p:spPr>
+          <a:xfrm>
+            <a:off x="-1" y="1524821"/>
+            <a:ext cx="12192000" cy="6278784"/>
+          </a:xfrm>
+          <a:prstGeom prst="rect">
+            <a:avLst/>
+          </a:prstGeom>
+        </p:spPr>
+      </p:pic>
     </p:spTree>
     <p:extLst>
       <p:ext uri="{BB962C8B-B14F-4D97-AF65-F5344CB8AC3E}">
